--- a/BigMountainResort_ErikPak.pptx
+++ b/BigMountainResort_ErikPak.pptx
@@ -2198,8 +2198,8 @@
         </p:nvGrpSpPr>
         <p:grpSpPr>
           <a:xfrm>
-            <a:off x="218936" y="3204986"/>
-            <a:ext cx="288316" cy="292535"/>
+            <a:off x="218936" y="3400411"/>
+            <a:ext cx="288316" cy="292534"/>
             <a:chOff x="0" y="0"/>
             <a:chExt cx="288315" cy="292533"/>
           </a:xfrm>
@@ -2299,8 +2299,8 @@
         </p:nvSpPr>
         <p:spPr>
           <a:xfrm>
-            <a:off x="601194" y="3252561"/>
-            <a:ext cx="3597456" cy="197385"/>
+            <a:off x="601194" y="3447986"/>
+            <a:ext cx="3417666" cy="197384"/>
           </a:xfrm>
           <a:prstGeom prst="rect">
             <a:avLst/>
@@ -2645,8 +2645,103 @@
         </p:nvSpPr>
         <p:spPr>
           <a:xfrm>
-            <a:off x="188833" y="1964975"/>
-            <a:ext cx="4232969" cy="1204847"/>
+            <a:off x="232567" y="1941999"/>
+            <a:ext cx="4232969" cy="1750946"/>
+          </a:xfrm>
+          <a:prstGeom prst="rect">
+            <a:avLst/>
+          </a:prstGeom>
+          <a:ln w="12700">
+            <a:miter lim="400000"/>
+          </a:ln>
+          <a:extLst>
+            <a:ext uri="{C572A759-6A51-4108-AA02-DFA0A04FC94B}">
+              <ma14:wrappingTextBoxFlag xmlns:ma14="http://schemas.microsoft.com/office/mac/drawingml/2011/main" val="1"/>
+            </a:ext>
+          </a:extLst>
+        </p:spPr>
+        <p:txBody>
+          <a:bodyPr lIns="45699" tIns="45699" rIns="45699" bIns="45699">
+            <a:spAutoFit/>
+          </a:bodyPr>
+          <a:lstStyle/>
+          <a:p>
+            <a:pPr defTabSz="457200">
+              <a:defRPr b="1" sz="1200">
+                <a:solidFill>
+                  <a:srgbClr val="0E101A"/>
+                </a:solidFill>
+                <a:latin typeface="Times Roman"/>
+                <a:ea typeface="Times Roman"/>
+                <a:cs typeface="Times Roman"/>
+                <a:sym typeface="Times Roman"/>
+              </a:defRPr>
+            </a:pPr>
+            <a:r>
+              <a:t>Big Mountain Resort has access to 105 trails, a ski resort located in Montana with spectacular views of Glacier National Park and Flathead National Forest. </a:t>
+            </a:r>
+            <a:endParaRPr b="0"/>
+          </a:p>
+          <a:p>
+            <a:pPr defTabSz="457200">
+              <a:defRPr sz="1200">
+                <a:solidFill>
+                  <a:srgbClr val="0E101A"/>
+                </a:solidFill>
+                <a:latin typeface="Times Roman"/>
+                <a:ea typeface="Times Roman"/>
+                <a:cs typeface="Times Roman"/>
+                <a:sym typeface="Times Roman"/>
+              </a:defRPr>
+            </a:pPr>
+          </a:p>
+          <a:p>
+            <a:pPr defTabSz="457200">
+              <a:defRPr b="1" sz="1200">
+                <a:solidFill>
+                  <a:srgbClr val="0E101A"/>
+                </a:solidFill>
+                <a:latin typeface="Times Roman"/>
+                <a:ea typeface="Times Roman"/>
+                <a:cs typeface="Times Roman"/>
+                <a:sym typeface="Times Roman"/>
+              </a:defRPr>
+            </a:pPr>
+            <a:r>
+              <a:t>Big Mountain Resort's effort to increase the visitors' distribution across the resort added additional chair lifts, which resulted in $1,540,000 to the current operating cost.</a:t>
+            </a:r>
+            <a:endParaRPr b="0"/>
+          </a:p>
+          <a:p>
+            <a:pPr>
+              <a:defRPr b="1" sz="1000">
+                <a:solidFill>
+                  <a:srgbClr val="000000"/>
+                </a:solidFill>
+              </a:defRPr>
+            </a:pPr>
+          </a:p>
+          <a:p>
+            <a:pPr>
+              <a:defRPr b="1" sz="1000">
+                <a:solidFill>
+                  <a:srgbClr val="000000"/>
+                </a:solidFill>
+              </a:defRPr>
+            </a:pPr>
+          </a:p>
+        </p:txBody>
+      </p:sp>
+      <p:sp>
+        <p:nvSpPr>
+          <p:cNvPr id="48" name="Google Shape;35;p1"/>
+          <p:cNvSpPr txBox="1"/>
+          <p:nvPr/>
+        </p:nvSpPr>
+        <p:spPr>
+          <a:xfrm>
+            <a:off x="193543" y="3733221"/>
+            <a:ext cx="4232969" cy="646047"/>
           </a:xfrm>
           <a:prstGeom prst="rect">
             <a:avLst/>
@@ -2674,7 +2769,7 @@
               </a:defRPr>
             </a:pPr>
             <a:r>
-              <a:t>Big Mountain Resort with access to 105 trails, a ski resort located in Montana with spectacular views of Glacier National Park and Flathead National Forest. Additionally, Big Mountain Resort installed additional chair lift to increase distribution of visitors across the mountain which increase their operating costs by $1,540,000 this season.</a:t>
+              <a:t>Predict pricing by capitalizing on its facilities by comparing their market segment.</a:t>
             </a:r>
           </a:p>
           <a:p>
@@ -2686,18 +2781,30 @@
               </a:defRPr>
             </a:pPr>
           </a:p>
+          <a:p>
+            <a:pPr>
+              <a:defRPr b="1" sz="1000">
+                <a:solidFill>
+                  <a:srgbClr val="000000"/>
+                </a:solidFill>
+              </a:defRPr>
+            </a:pPr>
+            <a:r>
+              <a:t>Determine possible reduction in operating cost</a:t>
+            </a:r>
+          </a:p>
         </p:txBody>
       </p:sp>
       <p:sp>
         <p:nvSpPr>
-          <p:cNvPr id="48" name="Google Shape;35;p1"/>
+          <p:cNvPr id="49" name="Google Shape;36;p1"/>
           <p:cNvSpPr txBox="1"/>
           <p:nvPr/>
         </p:nvSpPr>
         <p:spPr>
           <a:xfrm>
-            <a:off x="188833" y="3538873"/>
-            <a:ext cx="4232969" cy="366647"/>
+            <a:off x="258662" y="5144887"/>
+            <a:ext cx="4232969" cy="544030"/>
           </a:xfrm>
           <a:prstGeom prst="rect">
             <a:avLst/>
@@ -2715,54 +2822,30 @@
           <a:bodyPr lIns="45699" tIns="45699" rIns="45699" bIns="45699">
             <a:spAutoFit/>
           </a:bodyPr>
-          <a:lstStyle>
-            <a:lvl1pPr>
-              <a:defRPr b="1" sz="1000">
-                <a:solidFill>
-                  <a:srgbClr val="000000"/>
-                </a:solidFill>
-              </a:defRPr>
-            </a:lvl1pPr>
-          </a:lstStyle>
-          <a:p>
-            <a:pPr/>
-            <a:r>
-              <a:t>Maximize pricing by capitalizing on its facilities by comparing their market segment.</a:t>
-            </a:r>
-          </a:p>
-        </p:txBody>
-      </p:sp>
-      <p:sp>
-        <p:nvSpPr>
-          <p:cNvPr id="49" name="Google Shape;36;p1"/>
-          <p:cNvSpPr txBox="1"/>
-          <p:nvPr/>
-        </p:nvSpPr>
-        <p:spPr>
-          <a:xfrm>
-            <a:off x="232567" y="5184804"/>
-            <a:ext cx="4232969" cy="226947"/>
-          </a:xfrm>
-          <a:prstGeom prst="rect">
-            <a:avLst/>
-          </a:prstGeom>
-          <a:ln w="12700">
-            <a:miter lim="400000"/>
-          </a:ln>
-        </p:spPr>
-        <p:txBody>
-          <a:bodyPr lIns="45699" tIns="45699" rIns="45699" bIns="45699">
-            <a:spAutoFit/>
-          </a:bodyPr>
           <a:lstStyle/>
           <a:p>
             <a:pPr>
-              <a:defRPr sz="1000">
+              <a:defRPr b="1" sz="1100">
                 <a:solidFill>
                   <a:srgbClr val="000000"/>
                 </a:solidFill>
               </a:defRPr>
             </a:pPr>
+            <a:r>
+              <a:t>Examine dataset and retain mush of revelemnt data for an analysis</a:t>
+            </a:r>
+          </a:p>
+          <a:p>
+            <a:pPr>
+              <a:defRPr b="1" sz="1100">
+                <a:solidFill>
+                  <a:srgbClr val="000000"/>
+                </a:solidFill>
+              </a:defRPr>
+            </a:pPr>
+            <a:r>
+              <a:t>Develop regression model to predict ticket price.</a:t>
+            </a:r>
           </a:p>
         </p:txBody>
       </p:sp>
@@ -2775,7 +2858,7 @@
         <p:spPr>
           <a:xfrm>
             <a:off x="4603956" y="1963919"/>
-            <a:ext cx="4232969" cy="646046"/>
+            <a:ext cx="4232969" cy="366646"/>
           </a:xfrm>
           <a:prstGeom prst="rect">
             <a:avLst/>
@@ -2803,28 +2886,11 @@
               </a:defRPr>
             </a:pPr>
             <a:r>
-              <a:t>Some form of linear regression and feature engineering will be required with visitors data.</a:t>
+              <a:t>The domain expert is required while data is being cleansed before an analyst</a:t>
             </a:r>
-          </a:p>
-          <a:p>
-            <a:pPr>
-              <a:defRPr b="1" sz="1000">
-                <a:solidFill>
-                  <a:srgbClr val="000000"/>
-                </a:solidFill>
-              </a:defRPr>
-            </a:pPr>
-          </a:p>
-          <a:p>
-            <a:pPr>
-              <a:defRPr b="1" sz="1000">
-                <a:solidFill>
-                  <a:srgbClr val="000000"/>
-                </a:solidFill>
-              </a:defRPr>
-            </a:pPr>
             <a:r>
-              <a:t>visitors data required for analysis</a:t>
+              <a:rPr b="0"/>
+              <a:t>.</a:t>
             </a:r>
           </a:p>
         </p:txBody>
